--- a/Change Requests.pptx
+++ b/Change Requests.pptx
@@ -4,9 +4,15 @@
   <p:sldMasterIdLst>
     <p:sldMasterId id="2147483648" r:id="rId1"/>
   </p:sldMasterIdLst>
+  <p:notesMasterIdLst>
+    <p:notesMasterId r:id="rId4"/>
+  </p:notesMasterIdLst>
+  <p:handoutMasterIdLst>
+    <p:handoutMasterId r:id="rId6"/>
+  </p:handoutMasterIdLst>
   <p:sldIdLst>
     <p:sldId id="256" r:id="rId3"/>
-    <p:sldId id="258" r:id="rId4"/>
+    <p:sldId id="258" r:id="rId5"/>
   </p:sldIdLst>
   <p:sldSz cx="12192000" cy="6858000"/>
   <p:notesSz cx="6858000" cy="9144000"/>
@@ -108,6 +114,653 @@
 </p:presentation>
 </file>
 
+<file path=ppt/handoutMasters/handoutMaster1.xml><?xml version="1.0" encoding="utf-8"?>
+<p:handoutMaster xmlns:a="http://schemas.openxmlformats.org/drawingml/2006/main" xmlns:r="http://schemas.openxmlformats.org/officeDocument/2006/relationships" xmlns:p="http://schemas.openxmlformats.org/presentationml/2006/main">
+  <p:cSld>
+    <p:bg>
+      <p:bgRef idx="1001">
+        <a:schemeClr val="bg1"/>
+      </p:bgRef>
+    </p:bg>
+    <p:spTree>
+      <p:nvGrpSpPr>
+        <p:cNvPr id="1" name=""/>
+        <p:cNvGrpSpPr/>
+        <p:nvPr/>
+      </p:nvGrpSpPr>
+      <p:grpSpPr>
+        <a:xfrm>
+          <a:off x="0" y="0"/>
+          <a:ext cx="0" cy="0"/>
+          <a:chOff x="0" y="0"/>
+          <a:chExt cx="0" cy="0"/>
+        </a:xfrm>
+      </p:grpSpPr>
+      <p:sp>
+        <p:nvSpPr>
+          <p:cNvPr id="2" name="Header Placeholder 1"/>
+          <p:cNvSpPr>
+            <a:spLocks noGrp="1"/>
+          </p:cNvSpPr>
+          <p:nvPr>
+            <p:ph type="hdr" sz="quarter"/>
+          </p:nvPr>
+        </p:nvSpPr>
+        <p:spPr>
+          <a:xfrm>
+            <a:off x="0" y="0"/>
+            <a:ext cx="2971800" cy="458788"/>
+          </a:xfrm>
+          <a:prstGeom prst="rect">
+            <a:avLst/>
+          </a:prstGeom>
+        </p:spPr>
+        <p:txBody>
+          <a:bodyPr vert="horz" lIns="91440" tIns="45720" rIns="91440" bIns="45720" rtlCol="0"/>
+          <a:lstStyle>
+            <a:lvl1pPr algn="l">
+              <a:defRPr sz="1200"/>
+            </a:lvl1pPr>
+          </a:lstStyle>
+          <a:p>
+            <a:endParaRPr lang="en-US"/>
+          </a:p>
+        </p:txBody>
+      </p:sp>
+      <p:sp>
+        <p:nvSpPr>
+          <p:cNvPr id="3" name="Date Placeholder 2"/>
+          <p:cNvSpPr>
+            <a:spLocks noGrp="1"/>
+          </p:cNvSpPr>
+          <p:nvPr>
+            <p:ph type="dt" sz="quarter" idx="1"/>
+          </p:nvPr>
+        </p:nvSpPr>
+        <p:spPr>
+          <a:xfrm>
+            <a:off x="3884613" y="0"/>
+            <a:ext cx="2971800" cy="458788"/>
+          </a:xfrm>
+          <a:prstGeom prst="rect">
+            <a:avLst/>
+          </a:prstGeom>
+        </p:spPr>
+        <p:txBody>
+          <a:bodyPr vert="horz" lIns="91440" tIns="45720" rIns="91440" bIns="45720" rtlCol="0"/>
+          <a:lstStyle>
+            <a:lvl1pPr algn="r">
+              <a:defRPr sz="1200"/>
+            </a:lvl1pPr>
+          </a:lstStyle>
+          <a:p>
+            <a:fld id="{696C064A-D61B-4B21-B757-51A9B82445B8}" type="datetimeFigureOut">
+              <a:rPr lang="en-US" smtClean="0"/>
+            </a:fld>
+            <a:endParaRPr lang="en-US"/>
+          </a:p>
+        </p:txBody>
+      </p:sp>
+      <p:sp>
+        <p:nvSpPr>
+          <p:cNvPr id="4" name="Footer Placeholder 3"/>
+          <p:cNvSpPr>
+            <a:spLocks noGrp="1"/>
+          </p:cNvSpPr>
+          <p:nvPr>
+            <p:ph type="ftr" sz="quarter" idx="2"/>
+          </p:nvPr>
+        </p:nvSpPr>
+        <p:spPr>
+          <a:xfrm>
+            <a:off x="0" y="8685213"/>
+            <a:ext cx="2971800" cy="458787"/>
+          </a:xfrm>
+          <a:prstGeom prst="rect">
+            <a:avLst/>
+          </a:prstGeom>
+        </p:spPr>
+        <p:txBody>
+          <a:bodyPr vert="horz" lIns="91440" tIns="45720" rIns="91440" bIns="45720" rtlCol="0" anchor="b"/>
+          <a:lstStyle>
+            <a:lvl1pPr algn="l">
+              <a:defRPr sz="1200"/>
+            </a:lvl1pPr>
+          </a:lstStyle>
+          <a:p>
+            <a:r>
+              <a:rPr lang="en-US"/>
+              <a:t>Work examples quoted in this presentation is not an exact replica from real-life client project but extrapolated due to non-disclosure agreements that might have been signed at that time although several years ago.</a:t>
+            </a:r>
+            <a:endParaRPr lang="en-US"/>
+          </a:p>
+        </p:txBody>
+      </p:sp>
+      <p:sp>
+        <p:nvSpPr>
+          <p:cNvPr id="5" name="Slide Number Placeholder 4"/>
+          <p:cNvSpPr>
+            <a:spLocks noGrp="1"/>
+          </p:cNvSpPr>
+          <p:nvPr>
+            <p:ph type="sldNum" sz="quarter" idx="3"/>
+          </p:nvPr>
+        </p:nvSpPr>
+        <p:spPr>
+          <a:xfrm>
+            <a:off x="3884613" y="8685213"/>
+            <a:ext cx="2971800" cy="458787"/>
+          </a:xfrm>
+          <a:prstGeom prst="rect">
+            <a:avLst/>
+          </a:prstGeom>
+        </p:spPr>
+        <p:txBody>
+          <a:bodyPr vert="horz" lIns="91440" tIns="45720" rIns="91440" bIns="45720" rtlCol="0" anchor="b"/>
+          <a:lstStyle>
+            <a:lvl1pPr algn="r">
+              <a:defRPr sz="1200"/>
+            </a:lvl1pPr>
+          </a:lstStyle>
+          <a:p>
+            <a:fld id="{50305E07-67EA-4042-A3F6-853A8AD8D209}" type="slidenum">
+              <a:rPr lang="en-US" smtClean="0"/>
+            </a:fld>
+            <a:endParaRPr lang="en-US"/>
+          </a:p>
+        </p:txBody>
+      </p:sp>
+    </p:spTree>
+  </p:cSld>
+  <p:clrMap bg1="lt1" tx1="dk1" bg2="lt2" tx2="dk2" accent1="accent1" accent2="accent2" accent3="accent3" accent4="accent4" accent5="accent5" accent6="accent6" hlink="hlink" folHlink="folHlink"/>
+  <p:hf sldNum="0" hdr="0" dt="0"/>
+</p:handoutMaster>
+</file>
+
+<file path=ppt/notesMasters/notesMaster1.xml><?xml version="1.0" encoding="utf-8"?>
+<p:notesMaster xmlns:a="http://schemas.openxmlformats.org/drawingml/2006/main" xmlns:r="http://schemas.openxmlformats.org/officeDocument/2006/relationships" xmlns:p="http://schemas.openxmlformats.org/presentationml/2006/main">
+  <p:cSld>
+    <p:bg>
+      <p:bgRef idx="1001">
+        <a:schemeClr val="bg1"/>
+      </p:bgRef>
+    </p:bg>
+    <p:spTree>
+      <p:nvGrpSpPr>
+        <p:cNvPr id="1" name=""/>
+        <p:cNvGrpSpPr/>
+        <p:nvPr/>
+      </p:nvGrpSpPr>
+      <p:grpSpPr>
+        <a:xfrm>
+          <a:off x="0" y="0"/>
+          <a:ext cx="0" cy="0"/>
+          <a:chOff x="0" y="0"/>
+          <a:chExt cx="0" cy="0"/>
+        </a:xfrm>
+      </p:grpSpPr>
+      <p:sp>
+        <p:nvSpPr>
+          <p:cNvPr id="2" name="Header Placeholder 1"/>
+          <p:cNvSpPr>
+            <a:spLocks noGrp="1"/>
+          </p:cNvSpPr>
+          <p:nvPr>
+            <p:ph type="hdr" sz="quarter"/>
+          </p:nvPr>
+        </p:nvSpPr>
+        <p:spPr>
+          <a:xfrm>
+            <a:off x="0" y="0"/>
+            <a:ext cx="2971800" cy="458788"/>
+          </a:xfrm>
+          <a:prstGeom prst="rect">
+            <a:avLst/>
+          </a:prstGeom>
+        </p:spPr>
+        <p:txBody>
+          <a:bodyPr vert="horz" lIns="91440" tIns="45720" rIns="91440" bIns="45720" rtlCol="0"/>
+          <a:lstStyle>
+            <a:lvl1pPr algn="l">
+              <a:defRPr sz="1200"/>
+            </a:lvl1pPr>
+          </a:lstStyle>
+          <a:p>
+            <a:endParaRPr lang="en-US"/>
+          </a:p>
+        </p:txBody>
+      </p:sp>
+      <p:sp>
+        <p:nvSpPr>
+          <p:cNvPr id="3" name="Date Placeholder 2"/>
+          <p:cNvSpPr>
+            <a:spLocks noGrp="1"/>
+          </p:cNvSpPr>
+          <p:nvPr>
+            <p:ph type="dt" idx="1"/>
+          </p:nvPr>
+        </p:nvSpPr>
+        <p:spPr>
+          <a:xfrm>
+            <a:off x="3884613" y="0"/>
+            <a:ext cx="2971800" cy="458788"/>
+          </a:xfrm>
+          <a:prstGeom prst="rect">
+            <a:avLst/>
+          </a:prstGeom>
+        </p:spPr>
+        <p:txBody>
+          <a:bodyPr vert="horz" lIns="91440" tIns="45720" rIns="91440" bIns="45720" rtlCol="0"/>
+          <a:lstStyle>
+            <a:lvl1pPr algn="r">
+              <a:defRPr sz="1200"/>
+            </a:lvl1pPr>
+          </a:lstStyle>
+          <a:p>
+            <a:fld id="{3EFD42F7-718C-4B98-AAEC-167E6DDD60A7}" type="datetimeFigureOut">
+              <a:rPr lang="en-US" smtClean="0"/>
+            </a:fld>
+            <a:endParaRPr lang="en-US"/>
+          </a:p>
+        </p:txBody>
+      </p:sp>
+      <p:sp>
+        <p:nvSpPr>
+          <p:cNvPr id="4" name="Slide Image Placeholder 3"/>
+          <p:cNvSpPr>
+            <a:spLocks noGrp="1" noRot="1" noChangeAspect="1"/>
+          </p:cNvSpPr>
+          <p:nvPr>
+            <p:ph type="sldImg" idx="2"/>
+          </p:nvPr>
+        </p:nvSpPr>
+        <p:spPr>
+          <a:xfrm>
+            <a:off x="685800" y="1143000"/>
+            <a:ext cx="5486400" cy="3086100"/>
+          </a:xfrm>
+          <a:prstGeom prst="rect">
+            <a:avLst/>
+          </a:prstGeom>
+          <a:noFill/>
+          <a:ln w="12700">
+            <a:solidFill>
+              <a:prstClr val="black"/>
+            </a:solidFill>
+          </a:ln>
+        </p:spPr>
+        <p:txBody>
+          <a:bodyPr vert="horz" lIns="91440" tIns="45720" rIns="91440" bIns="45720" rtlCol="0" anchor="ctr"/>
+          <a:lstStyle/>
+          <a:p>
+            <a:endParaRPr lang="en-US"/>
+          </a:p>
+        </p:txBody>
+      </p:sp>
+      <p:sp>
+        <p:nvSpPr>
+          <p:cNvPr id="5" name="Notes Placeholder 4"/>
+          <p:cNvSpPr>
+            <a:spLocks noGrp="1"/>
+          </p:cNvSpPr>
+          <p:nvPr>
+            <p:ph type="body" sz="quarter" idx="3"/>
+          </p:nvPr>
+        </p:nvSpPr>
+        <p:spPr>
+          <a:xfrm>
+            <a:off x="685800" y="4400550"/>
+            <a:ext cx="5486400" cy="3600450"/>
+          </a:xfrm>
+          <a:prstGeom prst="rect">
+            <a:avLst/>
+          </a:prstGeom>
+        </p:spPr>
+        <p:txBody>
+          <a:bodyPr vert="horz" lIns="91440" tIns="45720" rIns="91440" bIns="45720" rtlCol="0"/>
+          <a:lstStyle/>
+          <a:p>
+            <a:pPr lvl="0"/>
+            <a:r>
+              <a:rPr lang="en-US" smtClean="0"/>
+              <a:t>Click to edit Master text styles</a:t>
+            </a:r>
+            <a:endParaRPr lang="en-US" smtClean="0"/>
+          </a:p>
+          <a:p>
+            <a:pPr lvl="1"/>
+            <a:r>
+              <a:rPr lang="en-US" smtClean="0"/>
+              <a:t>Second level</a:t>
+            </a:r>
+            <a:endParaRPr lang="en-US" smtClean="0"/>
+          </a:p>
+          <a:p>
+            <a:pPr lvl="2"/>
+            <a:r>
+              <a:rPr lang="en-US" smtClean="0"/>
+              <a:t>Third level</a:t>
+            </a:r>
+            <a:endParaRPr lang="en-US" smtClean="0"/>
+          </a:p>
+          <a:p>
+            <a:pPr lvl="3"/>
+            <a:r>
+              <a:rPr lang="en-US" smtClean="0"/>
+              <a:t>Fourth level</a:t>
+            </a:r>
+            <a:endParaRPr lang="en-US" smtClean="0"/>
+          </a:p>
+          <a:p>
+            <a:pPr lvl="4"/>
+            <a:r>
+              <a:rPr lang="en-US" smtClean="0"/>
+              <a:t>Fifth level</a:t>
+            </a:r>
+            <a:endParaRPr lang="en-US"/>
+          </a:p>
+        </p:txBody>
+      </p:sp>
+      <p:sp>
+        <p:nvSpPr>
+          <p:cNvPr id="6" name="Footer Placeholder 5"/>
+          <p:cNvSpPr>
+            <a:spLocks noGrp="1"/>
+          </p:cNvSpPr>
+          <p:nvPr>
+            <p:ph type="ftr" sz="quarter" idx="4"/>
+          </p:nvPr>
+        </p:nvSpPr>
+        <p:spPr>
+          <a:xfrm>
+            <a:off x="0" y="8685213"/>
+            <a:ext cx="2971800" cy="458787"/>
+          </a:xfrm>
+          <a:prstGeom prst="rect">
+            <a:avLst/>
+          </a:prstGeom>
+        </p:spPr>
+        <p:txBody>
+          <a:bodyPr vert="horz" lIns="91440" tIns="45720" rIns="91440" bIns="45720" rtlCol="0" anchor="b"/>
+          <a:lstStyle>
+            <a:lvl1pPr algn="l">
+              <a:defRPr sz="1200"/>
+            </a:lvl1pPr>
+          </a:lstStyle>
+          <a:p>
+            <a:r>
+              <a:rPr lang="en-US"/>
+              <a:t>Work examples quoted in this presentation is not an exact replica from real-life client project but extrapolated due to non-disclosure agreements that might have been signed at that time although several years ago.</a:t>
+            </a:r>
+            <a:endParaRPr lang="en-US"/>
+          </a:p>
+        </p:txBody>
+      </p:sp>
+      <p:sp>
+        <p:nvSpPr>
+          <p:cNvPr id="7" name="Slide Number Placeholder 6"/>
+          <p:cNvSpPr>
+            <a:spLocks noGrp="1"/>
+          </p:cNvSpPr>
+          <p:nvPr>
+            <p:ph type="sldNum" sz="quarter" idx="5"/>
+          </p:nvPr>
+        </p:nvSpPr>
+        <p:spPr>
+          <a:xfrm>
+            <a:off x="3884613" y="8685213"/>
+            <a:ext cx="2971800" cy="458787"/>
+          </a:xfrm>
+          <a:prstGeom prst="rect">
+            <a:avLst/>
+          </a:prstGeom>
+        </p:spPr>
+        <p:txBody>
+          <a:bodyPr vert="horz" lIns="91440" tIns="45720" rIns="91440" bIns="45720" rtlCol="0" anchor="b"/>
+          <a:lstStyle>
+            <a:lvl1pPr algn="r">
+              <a:defRPr sz="1200"/>
+            </a:lvl1pPr>
+          </a:lstStyle>
+          <a:p>
+            <a:fld id="{21B2AA4F-B828-4D7C-AFD3-893933DAFCB4}" type="slidenum">
+              <a:rPr lang="en-US" smtClean="0"/>
+            </a:fld>
+            <a:endParaRPr lang="en-US"/>
+          </a:p>
+        </p:txBody>
+      </p:sp>
+    </p:spTree>
+  </p:cSld>
+  <p:clrMap bg1="lt1" tx1="dk1" bg2="lt2" tx2="dk2" accent1="accent1" accent2="accent2" accent3="accent3" accent4="accent4" accent5="accent5" accent6="accent6" hlink="hlink" folHlink="folHlink"/>
+  <p:hf sldNum="0" hdr="0" dt="0"/>
+  <p:notesStyle>
+    <a:lvl1pPr marL="0" algn="l" defTabSz="914400" rtl="0" eaLnBrk="1" latinLnBrk="0" hangingPunct="1">
+      <a:defRPr sz="1200" kern="1200">
+        <a:solidFill>
+          <a:schemeClr val="tx1"/>
+        </a:solidFill>
+        <a:latin typeface="+mn-lt"/>
+        <a:ea typeface="+mn-ea"/>
+        <a:cs typeface="+mn-cs"/>
+      </a:defRPr>
+    </a:lvl1pPr>
+    <a:lvl2pPr marL="457200" algn="l" defTabSz="914400" rtl="0" eaLnBrk="1" latinLnBrk="0" hangingPunct="1">
+      <a:defRPr sz="1200" kern="1200">
+        <a:solidFill>
+          <a:schemeClr val="tx1"/>
+        </a:solidFill>
+        <a:latin typeface="+mn-lt"/>
+        <a:ea typeface="+mn-ea"/>
+        <a:cs typeface="+mn-cs"/>
+      </a:defRPr>
+    </a:lvl2pPr>
+    <a:lvl3pPr marL="914400" algn="l" defTabSz="914400" rtl="0" eaLnBrk="1" latinLnBrk="0" hangingPunct="1">
+      <a:defRPr sz="1200" kern="1200">
+        <a:solidFill>
+          <a:schemeClr val="tx1"/>
+        </a:solidFill>
+        <a:latin typeface="+mn-lt"/>
+        <a:ea typeface="+mn-ea"/>
+        <a:cs typeface="+mn-cs"/>
+      </a:defRPr>
+    </a:lvl3pPr>
+    <a:lvl4pPr marL="1371600" algn="l" defTabSz="914400" rtl="0" eaLnBrk="1" latinLnBrk="0" hangingPunct="1">
+      <a:defRPr sz="1200" kern="1200">
+        <a:solidFill>
+          <a:schemeClr val="tx1"/>
+        </a:solidFill>
+        <a:latin typeface="+mn-lt"/>
+        <a:ea typeface="+mn-ea"/>
+        <a:cs typeface="+mn-cs"/>
+      </a:defRPr>
+    </a:lvl4pPr>
+    <a:lvl5pPr marL="1828800" algn="l" defTabSz="914400" rtl="0" eaLnBrk="1" latinLnBrk="0" hangingPunct="1">
+      <a:defRPr sz="1200" kern="1200">
+        <a:solidFill>
+          <a:schemeClr val="tx1"/>
+        </a:solidFill>
+        <a:latin typeface="+mn-lt"/>
+        <a:ea typeface="+mn-ea"/>
+        <a:cs typeface="+mn-cs"/>
+      </a:defRPr>
+    </a:lvl5pPr>
+    <a:lvl6pPr marL="2286000" algn="l" defTabSz="914400" rtl="0" eaLnBrk="1" latinLnBrk="0" hangingPunct="1">
+      <a:defRPr sz="1200" kern="1200">
+        <a:solidFill>
+          <a:schemeClr val="tx1"/>
+        </a:solidFill>
+        <a:latin typeface="+mn-lt"/>
+        <a:ea typeface="+mn-ea"/>
+        <a:cs typeface="+mn-cs"/>
+      </a:defRPr>
+    </a:lvl6pPr>
+    <a:lvl7pPr marL="2743200" algn="l" defTabSz="914400" rtl="0" eaLnBrk="1" latinLnBrk="0" hangingPunct="1">
+      <a:defRPr sz="1200" kern="1200">
+        <a:solidFill>
+          <a:schemeClr val="tx1"/>
+        </a:solidFill>
+        <a:latin typeface="+mn-lt"/>
+        <a:ea typeface="+mn-ea"/>
+        <a:cs typeface="+mn-cs"/>
+      </a:defRPr>
+    </a:lvl7pPr>
+    <a:lvl8pPr marL="3200400" algn="l" defTabSz="914400" rtl="0" eaLnBrk="1" latinLnBrk="0" hangingPunct="1">
+      <a:defRPr sz="1200" kern="1200">
+        <a:solidFill>
+          <a:schemeClr val="tx1"/>
+        </a:solidFill>
+        <a:latin typeface="+mn-lt"/>
+        <a:ea typeface="+mn-ea"/>
+        <a:cs typeface="+mn-cs"/>
+      </a:defRPr>
+    </a:lvl8pPr>
+    <a:lvl9pPr marL="3657600" algn="l" defTabSz="914400" rtl="0" eaLnBrk="1" latinLnBrk="0" hangingPunct="1">
+      <a:defRPr sz="1200" kern="1200">
+        <a:solidFill>
+          <a:schemeClr val="tx1"/>
+        </a:solidFill>
+        <a:latin typeface="+mn-lt"/>
+        <a:ea typeface="+mn-ea"/>
+        <a:cs typeface="+mn-cs"/>
+      </a:defRPr>
+    </a:lvl9pPr>
+  </p:notesStyle>
+</p:notesMaster>
+</file>
+
+<file path=ppt/notesSlides/notesSlide1.xml><?xml version="1.0" encoding="utf-8"?>
+<p:notes xmlns:a="http://schemas.openxmlformats.org/drawingml/2006/main" xmlns:r="http://schemas.openxmlformats.org/officeDocument/2006/relationships" xmlns:p="http://schemas.openxmlformats.org/presentationml/2006/main">
+  <p:cSld>
+    <p:spTree>
+      <p:nvGrpSpPr>
+        <p:cNvPr id="1" name=""/>
+        <p:cNvGrpSpPr/>
+        <p:nvPr/>
+      </p:nvGrpSpPr>
+      <p:grpSpPr/>
+      <p:sp>
+        <p:nvSpPr>
+          <p:cNvPr id="2" name="Slide Image Placeholder 1"/>
+          <p:cNvSpPr/>
+          <p:nvPr>
+            <p:ph type="sldImg" idx="2"/>
+          </p:nvPr>
+        </p:nvSpPr>
+        <p:spPr/>
+      </p:sp>
+      <p:sp>
+        <p:nvSpPr>
+          <p:cNvPr id="3" name="Text Placeholder 2"/>
+          <p:cNvSpPr/>
+          <p:nvPr>
+            <p:ph type="body" idx="3"/>
+          </p:nvPr>
+        </p:nvSpPr>
+        <p:spPr/>
+        <p:txBody>
+          <a:bodyPr/>
+          <a:p>
+            <a:endParaRPr lang="en-US"/>
+          </a:p>
+        </p:txBody>
+      </p:sp>
+      <p:sp>
+        <p:nvSpPr>
+          <p:cNvPr id="5" name="Footer Placeholder 4"/>
+          <p:cNvSpPr>
+            <a:spLocks noGrp="1"/>
+          </p:cNvSpPr>
+          <p:nvPr>
+            <p:ph type="ftr" sz="quarter" idx="4"/>
+          </p:nvPr>
+        </p:nvSpPr>
+        <p:spPr/>
+        <p:txBody>
+          <a:bodyPr/>
+          <a:p>
+            <a:r>
+              <a:rPr lang="en-US"/>
+              <a:t>Work examples quoted in this presentation is not an exact replica from real-life client project but extrapolated due to non-disclosure agreements that might have been signed at that time although several years ago.</a:t>
+            </a:r>
+            <a:endParaRPr lang="en-US"/>
+          </a:p>
+        </p:txBody>
+      </p:sp>
+    </p:spTree>
+  </p:cSld>
+  <p:clrMapOvr>
+    <a:masterClrMapping/>
+  </p:clrMapOvr>
+</p:notes>
+</file>
+
+<file path=ppt/notesSlides/notesSlide2.xml><?xml version="1.0" encoding="utf-8"?>
+<p:notes xmlns:a="http://schemas.openxmlformats.org/drawingml/2006/main" xmlns:r="http://schemas.openxmlformats.org/officeDocument/2006/relationships" xmlns:p="http://schemas.openxmlformats.org/presentationml/2006/main">
+  <p:cSld>
+    <p:spTree>
+      <p:nvGrpSpPr>
+        <p:cNvPr id="1" name=""/>
+        <p:cNvGrpSpPr/>
+        <p:nvPr/>
+      </p:nvGrpSpPr>
+      <p:grpSpPr/>
+      <p:sp>
+        <p:nvSpPr>
+          <p:cNvPr id="2" name="Slide Image Placeholder 1"/>
+          <p:cNvSpPr/>
+          <p:nvPr>
+            <p:ph type="sldImg" idx="2"/>
+          </p:nvPr>
+        </p:nvSpPr>
+        <p:spPr/>
+      </p:sp>
+      <p:sp>
+        <p:nvSpPr>
+          <p:cNvPr id="3" name="Text Placeholder 2"/>
+          <p:cNvSpPr/>
+          <p:nvPr>
+            <p:ph type="body" idx="3"/>
+          </p:nvPr>
+        </p:nvSpPr>
+        <p:spPr/>
+        <p:txBody>
+          <a:bodyPr/>
+          <a:p>
+            <a:endParaRPr lang="en-US"/>
+          </a:p>
+        </p:txBody>
+      </p:sp>
+      <p:sp>
+        <p:nvSpPr>
+          <p:cNvPr id="5" name="Footer Placeholder 4"/>
+          <p:cNvSpPr>
+            <a:spLocks noGrp="1"/>
+          </p:cNvSpPr>
+          <p:nvPr>
+            <p:ph type="ftr" sz="quarter" idx="4"/>
+          </p:nvPr>
+        </p:nvSpPr>
+        <p:spPr/>
+        <p:txBody>
+          <a:bodyPr/>
+          <a:p>
+            <a:r>
+              <a:rPr lang="en-US"/>
+              <a:t>Work examples quoted in this presentation is not an exact replica from real-life client project but extrapolated due to non-disclosure agreements that might have been signed at that time although several years ago.</a:t>
+            </a:r>
+            <a:endParaRPr lang="en-US"/>
+          </a:p>
+        </p:txBody>
+      </p:sp>
+    </p:spTree>
+  </p:cSld>
+  <p:clrMapOvr>
+    <a:masterClrMapping/>
+  </p:clrMapOvr>
+</p:notes>
+</file>
+
 <file path=ppt/slideLayouts/slideLayout1.xml><?xml version="1.0" encoding="utf-8"?>
 <p:sldLayout xmlns:a="http://schemas.openxmlformats.org/drawingml/2006/main" xmlns:r="http://schemas.openxmlformats.org/officeDocument/2006/relationships" xmlns:p="http://schemas.openxmlformats.org/presentationml/2006/main" type="title" preserve="1">
   <p:cSld name="Title Slide">
@@ -259,6 +912,10 @@
           <a:bodyPr/>
           <a:lstStyle/>
           <a:p>
+            <a:r>
+              <a:rPr lang="en-US"/>
+              <a:t>Work examples quoted are not exact replica but extrapolated to adhere to non-disclosure agreements</a:t>
+            </a:r>
             <a:endParaRPr lang="en-US"/>
           </a:p>
         </p:txBody>
@@ -290,6 +947,7 @@
   <p:clrMapOvr>
     <a:masterClrMapping/>
   </p:clrMapOvr>
+  <p:hf sldNum="0" hdr="0" dt="0"/>
 </p:sldLayout>
 </file>
 
@@ -426,6 +1084,10 @@
           <a:bodyPr/>
           <a:lstStyle/>
           <a:p>
+            <a:r>
+              <a:rPr lang="en-US"/>
+              <a:t>Work examples quoted are not exact replica but extrapolated to adhere to non-disclosure agreements</a:t>
+            </a:r>
             <a:endParaRPr lang="en-US"/>
           </a:p>
         </p:txBody>
@@ -457,6 +1119,7 @@
   <p:clrMapOvr>
     <a:masterClrMapping/>
   </p:clrMapOvr>
+  <p:hf sldNum="0" hdr="0" dt="0"/>
 </p:sldLayout>
 </file>
 
@@ -603,6 +1266,10 @@
           <a:bodyPr/>
           <a:lstStyle/>
           <a:p>
+            <a:r>
+              <a:rPr lang="en-US"/>
+              <a:t>Work examples quoted are not exact replica but extrapolated to adhere to non-disclosure agreements</a:t>
+            </a:r>
             <a:endParaRPr lang="en-US"/>
           </a:p>
         </p:txBody>
@@ -634,6 +1301,7 @@
   <p:clrMapOvr>
     <a:masterClrMapping/>
   </p:clrMapOvr>
+  <p:hf sldNum="0" hdr="0" dt="0"/>
 </p:sldLayout>
 </file>
 
@@ -770,6 +1438,10 @@
           <a:bodyPr/>
           <a:lstStyle/>
           <a:p>
+            <a:r>
+              <a:rPr lang="en-US"/>
+              <a:t>Work examples quoted are not exact replica but extrapolated to adhere to non-disclosure agreements</a:t>
+            </a:r>
             <a:endParaRPr lang="en-US"/>
           </a:p>
         </p:txBody>
@@ -801,6 +1473,7 @@
   <p:clrMapOvr>
     <a:masterClrMapping/>
   </p:clrMapOvr>
+  <p:hf sldNum="0" hdr="0" dt="0"/>
 </p:sldLayout>
 </file>
 
@@ -1009,6 +1682,10 @@
           <a:bodyPr/>
           <a:lstStyle/>
           <a:p>
+            <a:r>
+              <a:rPr lang="en-US"/>
+              <a:t>Work examples quoted are not exact replica but extrapolated to adhere to non-disclosure agreements</a:t>
+            </a:r>
             <a:endParaRPr lang="en-US"/>
           </a:p>
         </p:txBody>
@@ -1040,6 +1717,7 @@
   <p:clrMapOvr>
     <a:masterClrMapping/>
   </p:clrMapOvr>
+  <p:hf sldNum="0" hdr="0" dt="0"/>
 </p:sldLayout>
 </file>
 
@@ -1242,6 +1920,10 @@
           <a:bodyPr/>
           <a:lstStyle/>
           <a:p>
+            <a:r>
+              <a:rPr lang="en-US"/>
+              <a:t>Work examples quoted are not exact replica but extrapolated to adhere to non-disclosure agreements</a:t>
+            </a:r>
             <a:endParaRPr lang="en-US"/>
           </a:p>
         </p:txBody>
@@ -1273,6 +1955,7 @@
   <p:clrMapOvr>
     <a:masterClrMapping/>
   </p:clrMapOvr>
+  <p:hf sldNum="0" hdr="0" dt="0"/>
 </p:sldLayout>
 </file>
 
@@ -1610,6 +2293,10 @@
           <a:bodyPr/>
           <a:lstStyle/>
           <a:p>
+            <a:r>
+              <a:rPr lang="en-US"/>
+              <a:t>Work examples quoted are not exact replica but extrapolated to adhere to non-disclosure agreements</a:t>
+            </a:r>
             <a:endParaRPr lang="en-US"/>
           </a:p>
         </p:txBody>
@@ -1641,6 +2328,7 @@
   <p:clrMapOvr>
     <a:masterClrMapping/>
   </p:clrMapOvr>
+  <p:hf sldNum="0" hdr="0" dt="0"/>
 </p:sldLayout>
 </file>
 
@@ -1721,6 +2409,10 @@
           <a:bodyPr/>
           <a:lstStyle/>
           <a:p>
+            <a:r>
+              <a:rPr lang="en-US"/>
+              <a:t>Work examples quoted are not exact replica but extrapolated to adhere to non-disclosure agreements</a:t>
+            </a:r>
             <a:endParaRPr lang="en-US"/>
           </a:p>
         </p:txBody>
@@ -1752,6 +2444,7 @@
   <p:clrMapOvr>
     <a:masterClrMapping/>
   </p:clrMapOvr>
+  <p:hf sldNum="0" hdr="0" dt="0"/>
 </p:sldLayout>
 </file>
 
@@ -1809,6 +2502,10 @@
           <a:bodyPr/>
           <a:lstStyle/>
           <a:p>
+            <a:r>
+              <a:rPr lang="en-US"/>
+              <a:t>Work examples quoted are not exact replica but extrapolated to adhere to non-disclosure agreements</a:t>
+            </a:r>
             <a:endParaRPr lang="en-US"/>
           </a:p>
         </p:txBody>
@@ -1840,6 +2537,7 @@
   <p:clrMapOvr>
     <a:masterClrMapping/>
   </p:clrMapOvr>
+  <p:hf sldNum="0" hdr="0" dt="0"/>
 </p:sldLayout>
 </file>
 
@@ -2083,6 +2781,10 @@
           <a:bodyPr/>
           <a:lstStyle/>
           <a:p>
+            <a:r>
+              <a:rPr lang="en-US"/>
+              <a:t>Work examples quoted are not exact replica but extrapolated to adhere to non-disclosure agreements</a:t>
+            </a:r>
             <a:endParaRPr lang="en-US"/>
           </a:p>
         </p:txBody>
@@ -2114,6 +2816,7 @@
   <p:clrMapOvr>
     <a:masterClrMapping/>
   </p:clrMapOvr>
+  <p:hf sldNum="0" hdr="0" dt="0"/>
 </p:sldLayout>
 </file>
 
@@ -2329,6 +3032,10 @@
           <a:bodyPr/>
           <a:lstStyle/>
           <a:p>
+            <a:r>
+              <a:rPr lang="en-US"/>
+              <a:t>Work examples quoted are not exact replica but extrapolated to adhere to non-disclosure agreements</a:t>
+            </a:r>
             <a:endParaRPr lang="en-US"/>
           </a:p>
         </p:txBody>
@@ -2360,6 +3067,7 @@
   <p:clrMapOvr>
     <a:masterClrMapping/>
   </p:clrMapOvr>
+  <p:hf sldNum="0" hdr="0" dt="0"/>
 </p:sldLayout>
 </file>
 
@@ -2557,6 +3265,10 @@
             </a:lvl1pPr>
           </a:lstStyle>
           <a:p>
+            <a:r>
+              <a:rPr lang="en-US"/>
+              <a:t>Work examples quoted are not exact replica but extrapolated to adhere to non-disclosure agreements</a:t>
+            </a:r>
             <a:endParaRPr lang="en-US"/>
           </a:p>
         </p:txBody>
@@ -2617,6 +3329,7 @@
     <p:sldLayoutId id="2147483658" r:id="rId10"/>
     <p:sldLayoutId id="2147483659" r:id="rId11"/>
   </p:sldLayoutIdLst>
+  <p:hf sldNum="0" hdr="0" dt="0"/>
   <p:txStyles>
     <p:titleStyle>
       <a:lvl1pPr algn="l" defTabSz="914400" rtl="0" eaLnBrk="1" latinLnBrk="0" hangingPunct="1">
@@ -2982,12 +3695,43 @@
             </a:r>
             <a:r>
               <a:rPr lang="en-GB" altLang="en-US"/>
-              <a:t> is to elaborate a real-life change request that was raised while building CRM at Sky on the correspondences functionality.</a:t>
+              <a:t> is to elaborate a real-life change request that was raised while building CRM correspondences functionality.</a:t>
             </a:r>
             <a:endParaRPr lang="en-GB" altLang="en-US"/>
           </a:p>
           <a:p>
             <a:pPr algn="l"/>
+            <a:endParaRPr lang="en-GB" altLang="en-US"/>
+          </a:p>
+        </p:txBody>
+      </p:sp>
+      <p:sp>
+        <p:nvSpPr>
+          <p:cNvPr id="4" name="Footer Placeholder 3"/>
+          <p:cNvSpPr>
+            <a:spLocks noGrp="1"/>
+          </p:cNvSpPr>
+          <p:nvPr>
+            <p:ph type="ftr" sz="quarter" idx="11"/>
+          </p:nvPr>
+        </p:nvSpPr>
+        <p:spPr>
+          <a:xfrm>
+            <a:off x="158750" y="6357620"/>
+            <a:ext cx="11910060" cy="365125"/>
+          </a:xfrm>
+        </p:spPr>
+        <p:txBody>
+          <a:bodyPr/>
+          <a:p>
+            <a:r>
+              <a:rPr lang="en-US"/>
+              <a:t>Work examples quoted are not exact replica but extrapolated to adhere to non-disclosure agreements </a:t>
+            </a:r>
+            <a:r>
+              <a:rPr lang="en-GB" altLang="en-US"/>
+              <a:t>signed with the client although several years ago.</a:t>
+            </a:r>
             <a:endParaRPr lang="en-GB" altLang="en-US"/>
           </a:p>
         </p:txBody>
@@ -3057,8 +3801,8 @@
         </p:nvSpPr>
         <p:spPr>
           <a:xfrm>
-            <a:off x="186055" y="478155"/>
-            <a:ext cx="11932285" cy="6229985"/>
+            <a:off x="186690" y="478155"/>
+            <a:ext cx="11932285" cy="6101080"/>
           </a:xfrm>
         </p:spPr>
         <p:style>
@@ -3077,7 +3821,7 @@
         </p:style>
         <p:txBody>
           <a:bodyPr>
-            <a:normAutofit lnSpcReduction="20000"/>
+            <a:normAutofit fontScale="90000" lnSpcReduction="10000"/>
           </a:bodyPr>
           <a:p>
             <a:pPr marL="0" indent="0">
@@ -3089,7 +3833,7 @@
             </a:r>
             <a:r>
               <a:rPr lang="en-GB" altLang="en-US" sz="1600"/>
-              <a:t> Sky call center agents should be able to resend outbound customer correspondences only and not inbound correspondences. The correspondence should be resent with “DUPLICATE COPY” marked. The fact that the outbound correspondence was resent must be recorded in the customer history.</a:t>
+              <a:t> Call center agents should be able to resend outbound customer correspondences only and not inbound correspondences. The correspondence should be resent with “DUPLICATE COPY” marked. The fact that the outbound correspondence was resent must be recorded in the customer history.</a:t>
             </a:r>
             <a:endParaRPr lang="en-GB" altLang="en-US" sz="1600"/>
           </a:p>
@@ -3120,7 +3864,7 @@
             </a:pPr>
             <a:r>
               <a:rPr lang="en-GB" altLang="en-US" sz="1600"/>
-              <a:t>Inbound correspondences are received by sky from customers. Outbound correspondences are sent by Sky to it's customers. Hence, the reason, call center agents should be able to click and resend only outbound correspondences and NOT inbound.</a:t>
+              <a:t>Inbound correspondences are received from customers. Outbound correspondences are sent by CRM to it's customers. Hence, the reason, call center agents should be able to click and resend only outbound correspondences and NOT inbound.</a:t>
             </a:r>
             <a:endParaRPr lang="en-GB" altLang="en-US" sz="1600"/>
           </a:p>
@@ -3131,7 +3875,7 @@
             </a:pPr>
             <a:r>
               <a:rPr lang="en-GB" altLang="en-US" sz="1600"/>
-              <a:t>Resent outbound correspondences should be marked with “DUPLICATE COPY” to adhere to Sky's legal terms.</a:t>
+              <a:t>Resent outbound correspondences should be marked with “DUPLICATE COPY” to adhere to legal terms.</a:t>
             </a:r>
             <a:endParaRPr lang="en-GB" altLang="en-US" sz="1600"/>
           </a:p>
@@ -3175,7 +3919,7 @@
             </a:pPr>
             <a:r>
               <a:rPr lang="en-GB" altLang="en-US" sz="1600"/>
-              <a:t>Accidentally call center agents could click and resent inbound correspondences as we would never resend a correspondence received from customers back to them.</a:t>
+              <a:t>Accidentally call center agents could click and resend inbound correspondences as we would never resend a correspondence received from customers back to them.</a:t>
             </a:r>
             <a:endParaRPr lang="en-GB" altLang="en-US" sz="1600"/>
           </a:p>
@@ -3186,7 +3930,7 @@
             </a:pPr>
             <a:r>
               <a:rPr lang="en-GB" altLang="en-US" sz="1600"/>
-              <a:t>Resent correspondences without “DUPLICATE COPY” marked would mean breach of Sky's legal terms.</a:t>
+              <a:t>Resent correspondences without “DUPLICATE COPY” marked would mean breach of legal terms.</a:t>
             </a:r>
             <a:endParaRPr lang="en-GB" altLang="en-US" sz="1600"/>
           </a:p>
@@ -3241,7 +3985,7 @@
             </a:r>
             <a:r>
               <a:rPr lang="en-GB" altLang="en-US" sz="1600"/>
-              <a:t>Impacts portal, Sky correspondence and chordiant backend teams.</a:t>
+              <a:t>Impacts portal team, correspondence team and customer database backend teams.</a:t>
             </a:r>
             <a:endParaRPr lang="en-GB" altLang="en-US" sz="1600"/>
           </a:p>
@@ -3263,7 +4007,7 @@
             </a:pPr>
             <a:r>
               <a:rPr lang="en-GB" altLang="en-US" sz="1600"/>
-              <a:t>Chordiant team to include a record in the customer history for resending outbound correspondences.</a:t>
+              <a:t>Customer database team to include a record in the customer history for resending outbound correspondences.</a:t>
             </a:r>
             <a:endParaRPr lang="en-GB" altLang="en-US" sz="1600"/>
           </a:p>
@@ -3274,9 +4018,36 @@
             </a:pPr>
             <a:r>
               <a:rPr lang="en-GB" altLang="en-US" sz="1600"/>
-              <a:t>Sky correspondence to mark “DUPLICATE COPY” on resend requests for outbound correspondences.</a:t>
+              <a:t>Correspondence team to mark “DUPLICATE COPY” on resend requests for outbound correspondences.</a:t>
             </a:r>
             <a:endParaRPr lang="en-GB" altLang="en-US" sz="1600"/>
+          </a:p>
+        </p:txBody>
+      </p:sp>
+      <p:sp>
+        <p:nvSpPr>
+          <p:cNvPr id="4" name="Footer Placeholder 3"/>
+          <p:cNvSpPr>
+            <a:spLocks noGrp="1"/>
+          </p:cNvSpPr>
+          <p:nvPr>
+            <p:ph type="ftr" sz="quarter" idx="11"/>
+          </p:nvPr>
+        </p:nvSpPr>
+        <p:spPr>
+          <a:xfrm>
+            <a:off x="164465" y="6595110"/>
+            <a:ext cx="11956415" cy="247015"/>
+          </a:xfrm>
+        </p:spPr>
+        <p:txBody>
+          <a:bodyPr/>
+          <a:p>
+            <a:r>
+              <a:rPr lang="en-US"/>
+              <a:t>Work examples quoted are not exact replica but extrapolated to adhere to non-disclosure agreements</a:t>
+            </a:r>
+            <a:endParaRPr lang="en-US"/>
           </a:p>
         </p:txBody>
       </p:sp>
@@ -3547,4 +4318,526 @@
     </a:ext>
   </a:extLst>
 </a:theme>
+</file>
+
+<file path=ppt/theme/theme2.xml><?xml version="1.0" encoding="utf-8"?>
+<a:theme xmlns:a="http://schemas.openxmlformats.org/drawingml/2006/main" name="Office Theme">
+  <a:themeElements>
+    <a:clrScheme name="Office">
+      <a:dk1>
+        <a:sysClr val="windowText" lastClr="000000"/>
+      </a:dk1>
+      <a:lt1>
+        <a:sysClr val="window" lastClr="FFFFFF"/>
+      </a:lt1>
+      <a:dk2>
+        <a:srgbClr val="44546A"/>
+      </a:dk2>
+      <a:lt2>
+        <a:srgbClr val="E7E6E6"/>
+      </a:lt2>
+      <a:accent1>
+        <a:srgbClr val="5B9BD5"/>
+      </a:accent1>
+      <a:accent2>
+        <a:srgbClr val="ED7D31"/>
+      </a:accent2>
+      <a:accent3>
+        <a:srgbClr val="A5A5A5"/>
+      </a:accent3>
+      <a:accent4>
+        <a:srgbClr val="FFC000"/>
+      </a:accent4>
+      <a:accent5>
+        <a:srgbClr val="4472C4"/>
+      </a:accent5>
+      <a:accent6>
+        <a:srgbClr val="70AD47"/>
+      </a:accent6>
+      <a:hlink>
+        <a:srgbClr val="0563C1"/>
+      </a:hlink>
+      <a:folHlink>
+        <a:srgbClr val="954F72"/>
+      </a:folHlink>
+    </a:clrScheme>
+    <a:fontScheme name="Office">
+      <a:majorFont>
+        <a:latin typeface="Calibri Light"/>
+        <a:ea typeface=""/>
+        <a:cs typeface=""/>
+        <a:font script="Jpan" typeface="ＭＳ Ｐゴシック"/>
+        <a:font script="Hang" typeface="맑은 고딕"/>
+        <a:font script="Hans" typeface="宋体"/>
+        <a:font script="Hant" typeface="新細明體"/>
+        <a:font script="Arab" typeface="Times New Roman"/>
+        <a:font script="Hebr" typeface="Times New Roman"/>
+        <a:font script="Thai" typeface="Angsana New"/>
+        <a:font script="Ethi" typeface="Nyala"/>
+        <a:font script="Beng" typeface="Vrinda"/>
+        <a:font script="Gujr" typeface="Shruti"/>
+        <a:font script="Khmr" typeface="MoolBoran"/>
+        <a:font script="Knda" typeface="Tunga"/>
+        <a:font script="Guru" typeface="Raavi"/>
+        <a:font script="Cans" typeface="Euphemia"/>
+        <a:font script="Cher" typeface="Plantagenet Cherokee"/>
+        <a:font script="Yiii" typeface="Microsoft Yi Baiti"/>
+        <a:font script="Tibt" typeface="Microsoft Himalaya"/>
+        <a:font script="Thaa" typeface="MV Boli"/>
+        <a:font script="Deva" typeface="Mangal"/>
+        <a:font script="Telu" typeface="Gautami"/>
+        <a:font script="Taml" typeface="Latha"/>
+        <a:font script="Syrc" typeface="Estrangelo Edessa"/>
+        <a:font script="Orya" typeface="Kalinga"/>
+        <a:font script="Mlym" typeface="Kartika"/>
+        <a:font script="Laoo" typeface="DokChampa"/>
+        <a:font script="Sinh" typeface="Iskoola Pota"/>
+        <a:font script="Mong" typeface="Mongolian Baiti"/>
+        <a:font script="Viet" typeface="Times New Roman"/>
+        <a:font script="Uigh" typeface="Microsoft Uighur"/>
+        <a:font script="Geor" typeface="Sylfaen"/>
+      </a:majorFont>
+      <a:minorFont>
+        <a:latin typeface="Calibri"/>
+        <a:ea typeface=""/>
+        <a:cs typeface=""/>
+        <a:font script="Jpan" typeface="ＭＳ Ｐゴシック"/>
+        <a:font script="Hang" typeface="맑은 고딕"/>
+        <a:font script="Hans" typeface="宋体"/>
+        <a:font script="Hant" typeface="新細明體"/>
+        <a:font script="Arab" typeface="Arial"/>
+        <a:font script="Hebr" typeface="Arial"/>
+        <a:font script="Thai" typeface="Cordia New"/>
+        <a:font script="Ethi" typeface="Nyala"/>
+        <a:font script="Beng" typeface="Vrinda"/>
+        <a:font script="Gujr" typeface="Shruti"/>
+        <a:font script="Khmr" typeface="DaunPenh"/>
+        <a:font script="Knda" typeface="Tunga"/>
+        <a:font script="Guru" typeface="Raavi"/>
+        <a:font script="Cans" typeface="Euphemia"/>
+        <a:font script="Cher" typeface="Plantagenet Cherokee"/>
+        <a:font script="Yiii" typeface="Microsoft Yi Baiti"/>
+        <a:font script="Tibt" typeface="Microsoft Himalaya"/>
+        <a:font script="Thaa" typeface="MV Boli"/>
+        <a:font script="Deva" typeface="Mangal"/>
+        <a:font script="Telu" typeface="Gautami"/>
+        <a:font script="Taml" typeface="Latha"/>
+        <a:font script="Syrc" typeface="Estrangelo Edessa"/>
+        <a:font script="Orya" typeface="Kalinga"/>
+        <a:font script="Mlym" typeface="Kartika"/>
+        <a:font script="Laoo" typeface="DokChampa"/>
+        <a:font script="Sinh" typeface="Iskoola Pota"/>
+        <a:font script="Mong" typeface="Mongolian Baiti"/>
+        <a:font script="Viet" typeface="Arial"/>
+        <a:font script="Uigh" typeface="Microsoft Uighur"/>
+        <a:font script="Geor" typeface="Sylfaen"/>
+      </a:minorFont>
+    </a:fontScheme>
+    <a:fmtScheme name="Office">
+      <a:fillStyleLst>
+        <a:solidFill>
+          <a:schemeClr val="phClr"/>
+        </a:solidFill>
+        <a:gradFill rotWithShape="1">
+          <a:gsLst>
+            <a:gs pos="0">
+              <a:schemeClr val="phClr">
+                <a:lumMod val="110000"/>
+                <a:satMod val="105000"/>
+                <a:tint val="67000"/>
+              </a:schemeClr>
+            </a:gs>
+            <a:gs pos="50000">
+              <a:schemeClr val="phClr">
+                <a:lumMod val="105000"/>
+                <a:satMod val="103000"/>
+                <a:tint val="73000"/>
+              </a:schemeClr>
+            </a:gs>
+            <a:gs pos="100000">
+              <a:schemeClr val="phClr">
+                <a:lumMod val="105000"/>
+                <a:satMod val="109000"/>
+                <a:tint val="81000"/>
+              </a:schemeClr>
+            </a:gs>
+          </a:gsLst>
+          <a:lin ang="5400000" scaled="0"/>
+        </a:gradFill>
+        <a:gradFill rotWithShape="1">
+          <a:gsLst>
+            <a:gs pos="0">
+              <a:schemeClr val="phClr">
+                <a:satMod val="103000"/>
+                <a:lumMod val="102000"/>
+                <a:tint val="94000"/>
+              </a:schemeClr>
+            </a:gs>
+            <a:gs pos="50000">
+              <a:schemeClr val="phClr">
+                <a:satMod val="110000"/>
+                <a:lumMod val="100000"/>
+                <a:shade val="100000"/>
+              </a:schemeClr>
+            </a:gs>
+            <a:gs pos="100000">
+              <a:schemeClr val="phClr">
+                <a:lumMod val="99000"/>
+                <a:satMod val="120000"/>
+                <a:shade val="78000"/>
+              </a:schemeClr>
+            </a:gs>
+          </a:gsLst>
+          <a:lin ang="5400000" scaled="0"/>
+        </a:gradFill>
+      </a:fillStyleLst>
+      <a:lnStyleLst>
+        <a:ln w="6350" cap="flat" cmpd="sng" algn="ctr">
+          <a:solidFill>
+            <a:schemeClr val="phClr"/>
+          </a:solidFill>
+          <a:prstDash val="solid"/>
+          <a:miter lim="800000"/>
+        </a:ln>
+        <a:ln w="12700" cap="flat" cmpd="sng" algn="ctr">
+          <a:solidFill>
+            <a:schemeClr val="phClr"/>
+          </a:solidFill>
+          <a:prstDash val="solid"/>
+          <a:miter lim="800000"/>
+        </a:ln>
+        <a:ln w="19050" cap="flat" cmpd="sng" algn="ctr">
+          <a:solidFill>
+            <a:schemeClr val="phClr"/>
+          </a:solidFill>
+          <a:prstDash val="solid"/>
+          <a:miter lim="800000"/>
+        </a:ln>
+      </a:lnStyleLst>
+      <a:effectStyleLst>
+        <a:effectStyle>
+          <a:effectLst/>
+        </a:effectStyle>
+        <a:effectStyle>
+          <a:effectLst/>
+        </a:effectStyle>
+        <a:effectStyle>
+          <a:effectLst>
+            <a:outerShdw blurRad="57150" dist="19050" dir="5400000" algn="ctr" rotWithShape="0">
+              <a:srgbClr val="000000">
+                <a:alpha val="63000"/>
+              </a:srgbClr>
+            </a:outerShdw>
+          </a:effectLst>
+        </a:effectStyle>
+      </a:effectStyleLst>
+      <a:bgFillStyleLst>
+        <a:solidFill>
+          <a:schemeClr val="phClr"/>
+        </a:solidFill>
+        <a:solidFill>
+          <a:schemeClr val="phClr">
+            <a:tint val="95000"/>
+            <a:satMod val="170000"/>
+          </a:schemeClr>
+        </a:solidFill>
+        <a:gradFill rotWithShape="1">
+          <a:gsLst>
+            <a:gs pos="0">
+              <a:schemeClr val="phClr">
+                <a:tint val="93000"/>
+                <a:satMod val="150000"/>
+                <a:shade val="98000"/>
+                <a:lumMod val="102000"/>
+              </a:schemeClr>
+            </a:gs>
+            <a:gs pos="50000">
+              <a:schemeClr val="phClr">
+                <a:tint val="98000"/>
+                <a:satMod val="130000"/>
+                <a:shade val="90000"/>
+                <a:lumMod val="103000"/>
+              </a:schemeClr>
+            </a:gs>
+            <a:gs pos="100000">
+              <a:schemeClr val="phClr">
+                <a:shade val="63000"/>
+                <a:satMod val="120000"/>
+              </a:schemeClr>
+            </a:gs>
+          </a:gsLst>
+          <a:lin ang="5400000" scaled="0"/>
+        </a:gradFill>
+      </a:bgFillStyleLst>
+    </a:fmtScheme>
+  </a:themeElements>
+  <a:objectDefaults/>
+  <a:extraClrSchemeLst/>
+  <a:extLst>
+    <a:ext uri="{05A4C25C-085E-4340-85A3-A5531E510DB2}">
+      <thm15:themeFamily xmlns:thm15="http://schemas.microsoft.com/office/thememl/2012/main" name="Office Theme" id="{62F939B6-93AF-4DB8-9C6B-D6C7DFDC589F}" vid="{4A3C46E8-61CC-4603-A589-7422A47A8E4A}"/>
+    </a:ext>
+  </a:extLst>
+</a:theme>
+</file>
+
+<file path=ppt/theme/theme3.xml><?xml version="1.0" encoding="utf-8"?>
+<a:theme xmlns:a="http://schemas.openxmlformats.org/drawingml/2006/main" name="Office Theme">
+  <a:themeElements>
+    <a:clrScheme name="Office">
+      <a:dk1>
+        <a:sysClr val="windowText" lastClr="000000"/>
+      </a:dk1>
+      <a:lt1>
+        <a:sysClr val="window" lastClr="FFFFFF"/>
+      </a:lt1>
+      <a:dk2>
+        <a:srgbClr val="44546A"/>
+      </a:dk2>
+      <a:lt2>
+        <a:srgbClr val="E7E6E6"/>
+      </a:lt2>
+      <a:accent1>
+        <a:srgbClr val="5B9BD5"/>
+      </a:accent1>
+      <a:accent2>
+        <a:srgbClr val="ED7D31"/>
+      </a:accent2>
+      <a:accent3>
+        <a:srgbClr val="A5A5A5"/>
+      </a:accent3>
+      <a:accent4>
+        <a:srgbClr val="FFC000"/>
+      </a:accent4>
+      <a:accent5>
+        <a:srgbClr val="4472C4"/>
+      </a:accent5>
+      <a:accent6>
+        <a:srgbClr val="70AD47"/>
+      </a:accent6>
+      <a:hlink>
+        <a:srgbClr val="0563C1"/>
+      </a:hlink>
+      <a:folHlink>
+        <a:srgbClr val="954F72"/>
+      </a:folHlink>
+    </a:clrScheme>
+    <a:fontScheme name="Office">
+      <a:majorFont>
+        <a:latin typeface="Calibri Light"/>
+        <a:ea typeface=""/>
+        <a:cs typeface=""/>
+        <a:font script="Jpan" typeface="ＭＳ Ｐゴシック"/>
+        <a:font script="Hang" typeface="맑은 고딕"/>
+        <a:font script="Hans" typeface="宋体"/>
+        <a:font script="Hant" typeface="新細明體"/>
+        <a:font script="Arab" typeface="Times New Roman"/>
+        <a:font script="Hebr" typeface="Times New Roman"/>
+        <a:font script="Thai" typeface="Angsana New"/>
+        <a:font script="Ethi" typeface="Nyala"/>
+        <a:font script="Beng" typeface="Vrinda"/>
+        <a:font script="Gujr" typeface="Shruti"/>
+        <a:font script="Khmr" typeface="MoolBoran"/>
+        <a:font script="Knda" typeface="Tunga"/>
+        <a:font script="Guru" typeface="Raavi"/>
+        <a:font script="Cans" typeface="Euphemia"/>
+        <a:font script="Cher" typeface="Plantagenet Cherokee"/>
+        <a:font script="Yiii" typeface="Microsoft Yi Baiti"/>
+        <a:font script="Tibt" typeface="Microsoft Himalaya"/>
+        <a:font script="Thaa" typeface="MV Boli"/>
+        <a:font script="Deva" typeface="Mangal"/>
+        <a:font script="Telu" typeface="Gautami"/>
+        <a:font script="Taml" typeface="Latha"/>
+        <a:font script="Syrc" typeface="Estrangelo Edessa"/>
+        <a:font script="Orya" typeface="Kalinga"/>
+        <a:font script="Mlym" typeface="Kartika"/>
+        <a:font script="Laoo" typeface="DokChampa"/>
+        <a:font script="Sinh" typeface="Iskoola Pota"/>
+        <a:font script="Mong" typeface="Mongolian Baiti"/>
+        <a:font script="Viet" typeface="Times New Roman"/>
+        <a:font script="Uigh" typeface="Microsoft Uighur"/>
+        <a:font script="Geor" typeface="Sylfaen"/>
+      </a:majorFont>
+      <a:minorFont>
+        <a:latin typeface="Calibri"/>
+        <a:ea typeface=""/>
+        <a:cs typeface=""/>
+        <a:font script="Jpan" typeface="ＭＳ Ｐゴシック"/>
+        <a:font script="Hang" typeface="맑은 고딕"/>
+        <a:font script="Hans" typeface="宋体"/>
+        <a:font script="Hant" typeface="新細明體"/>
+        <a:font script="Arab" typeface="Arial"/>
+        <a:font script="Hebr" typeface="Arial"/>
+        <a:font script="Thai" typeface="Cordia New"/>
+        <a:font script="Ethi" typeface="Nyala"/>
+        <a:font script="Beng" typeface="Vrinda"/>
+        <a:font script="Gujr" typeface="Shruti"/>
+        <a:font script="Khmr" typeface="DaunPenh"/>
+        <a:font script="Knda" typeface="Tunga"/>
+        <a:font script="Guru" typeface="Raavi"/>
+        <a:font script="Cans" typeface="Euphemia"/>
+        <a:font script="Cher" typeface="Plantagenet Cherokee"/>
+        <a:font script="Yiii" typeface="Microsoft Yi Baiti"/>
+        <a:font script="Tibt" typeface="Microsoft Himalaya"/>
+        <a:font script="Thaa" typeface="MV Boli"/>
+        <a:font script="Deva" typeface="Mangal"/>
+        <a:font script="Telu" typeface="Gautami"/>
+        <a:font script="Taml" typeface="Latha"/>
+        <a:font script="Syrc" typeface="Estrangelo Edessa"/>
+        <a:font script="Orya" typeface="Kalinga"/>
+        <a:font script="Mlym" typeface="Kartika"/>
+        <a:font script="Laoo" typeface="DokChampa"/>
+        <a:font script="Sinh" typeface="Iskoola Pota"/>
+        <a:font script="Mong" typeface="Mongolian Baiti"/>
+        <a:font script="Viet" typeface="Arial"/>
+        <a:font script="Uigh" typeface="Microsoft Uighur"/>
+        <a:font script="Geor" typeface="Sylfaen"/>
+      </a:minorFont>
+    </a:fontScheme>
+    <a:fmtScheme name="Office">
+      <a:fillStyleLst>
+        <a:solidFill>
+          <a:schemeClr val="phClr"/>
+        </a:solidFill>
+        <a:gradFill rotWithShape="1">
+          <a:gsLst>
+            <a:gs pos="0">
+              <a:schemeClr val="phClr">
+                <a:lumMod val="110000"/>
+                <a:satMod val="105000"/>
+                <a:tint val="67000"/>
+              </a:schemeClr>
+            </a:gs>
+            <a:gs pos="50000">
+              <a:schemeClr val="phClr">
+                <a:lumMod val="105000"/>
+                <a:satMod val="103000"/>
+                <a:tint val="73000"/>
+              </a:schemeClr>
+            </a:gs>
+            <a:gs pos="100000">
+              <a:schemeClr val="phClr">
+                <a:lumMod val="105000"/>
+                <a:satMod val="109000"/>
+                <a:tint val="81000"/>
+              </a:schemeClr>
+            </a:gs>
+          </a:gsLst>
+          <a:lin ang="5400000" scaled="0"/>
+        </a:gradFill>
+        <a:gradFill rotWithShape="1">
+          <a:gsLst>
+            <a:gs pos="0">
+              <a:schemeClr val="phClr">
+                <a:satMod val="103000"/>
+                <a:lumMod val="102000"/>
+                <a:tint val="94000"/>
+              </a:schemeClr>
+            </a:gs>
+            <a:gs pos="50000">
+              <a:schemeClr val="phClr">
+                <a:satMod val="110000"/>
+                <a:lumMod val="100000"/>
+                <a:shade val="100000"/>
+              </a:schemeClr>
+            </a:gs>
+            <a:gs pos="100000">
+              <a:schemeClr val="phClr">
+                <a:lumMod val="99000"/>
+                <a:satMod val="120000"/>
+                <a:shade val="78000"/>
+              </a:schemeClr>
+            </a:gs>
+          </a:gsLst>
+          <a:lin ang="5400000" scaled="0"/>
+        </a:gradFill>
+      </a:fillStyleLst>
+      <a:lnStyleLst>
+        <a:ln w="6350" cap="flat" cmpd="sng" algn="ctr">
+          <a:solidFill>
+            <a:schemeClr val="phClr"/>
+          </a:solidFill>
+          <a:prstDash val="solid"/>
+          <a:miter lim="800000"/>
+        </a:ln>
+        <a:ln w="12700" cap="flat" cmpd="sng" algn="ctr">
+          <a:solidFill>
+            <a:schemeClr val="phClr"/>
+          </a:solidFill>
+          <a:prstDash val="solid"/>
+          <a:miter lim="800000"/>
+        </a:ln>
+        <a:ln w="19050" cap="flat" cmpd="sng" algn="ctr">
+          <a:solidFill>
+            <a:schemeClr val="phClr"/>
+          </a:solidFill>
+          <a:prstDash val="solid"/>
+          <a:miter lim="800000"/>
+        </a:ln>
+      </a:lnStyleLst>
+      <a:effectStyleLst>
+        <a:effectStyle>
+          <a:effectLst/>
+        </a:effectStyle>
+        <a:effectStyle>
+          <a:effectLst/>
+        </a:effectStyle>
+        <a:effectStyle>
+          <a:effectLst>
+            <a:outerShdw blurRad="57150" dist="19050" dir="5400000" algn="ctr" rotWithShape="0">
+              <a:srgbClr val="000000">
+                <a:alpha val="63000"/>
+              </a:srgbClr>
+            </a:outerShdw>
+          </a:effectLst>
+        </a:effectStyle>
+      </a:effectStyleLst>
+      <a:bgFillStyleLst>
+        <a:solidFill>
+          <a:schemeClr val="phClr"/>
+        </a:solidFill>
+        <a:solidFill>
+          <a:schemeClr val="phClr">
+            <a:tint val="95000"/>
+            <a:satMod val="170000"/>
+          </a:schemeClr>
+        </a:solidFill>
+        <a:gradFill rotWithShape="1">
+          <a:gsLst>
+            <a:gs pos="0">
+              <a:schemeClr val="phClr">
+                <a:tint val="93000"/>
+                <a:satMod val="150000"/>
+                <a:shade val="98000"/>
+                <a:lumMod val="102000"/>
+              </a:schemeClr>
+            </a:gs>
+            <a:gs pos="50000">
+              <a:schemeClr val="phClr">
+                <a:tint val="98000"/>
+                <a:satMod val="130000"/>
+                <a:shade val="90000"/>
+                <a:lumMod val="103000"/>
+              </a:schemeClr>
+            </a:gs>
+            <a:gs pos="100000">
+              <a:schemeClr val="phClr">
+                <a:shade val="63000"/>
+                <a:satMod val="120000"/>
+              </a:schemeClr>
+            </a:gs>
+          </a:gsLst>
+          <a:lin ang="5400000" scaled="0"/>
+        </a:gradFill>
+      </a:bgFillStyleLst>
+    </a:fmtScheme>
+  </a:themeElements>
+  <a:objectDefaults/>
+  <a:extraClrSchemeLst/>
+  <a:extLst>
+    <a:ext uri="{05A4C25C-085E-4340-85A3-A5531E510DB2}">
+      <thm15:themeFamily xmlns:thm15="http://schemas.microsoft.com/office/thememl/2012/main" name="Office Theme" id="{62F939B6-93AF-4DB8-9C6B-D6C7DFDC589F}" vid="{4A3C46E8-61CC-4603-A589-7422A47A8E4A}"/>
+    </a:ext>
+  </a:extLst>
+</a:theme>
 </file>